--- a/tree/2022秋季-数据结构-第4章-树a.pptx
+++ b/tree/2022秋季-数据结构-第4章-树a.pptx
@@ -27,7 +27,7 @@
     <p:sldId id="346" r:id="rId17"/>
     <p:sldId id="347" r:id="rId18"/>
     <p:sldId id="348" r:id="rId19"/>
-    <p:sldId id="349" r:id="rId20"/>
+    <p:sldId id="354" r:id="rId20"/>
     <p:sldId id="350" r:id="rId21"/>
     <p:sldId id="351" r:id="rId22"/>
     <p:sldId id="352" r:id="rId23"/>
@@ -130,7 +130,7 @@
       </a:defRPr>
     </a:lvl9pPr>
   </p:defaultTextStyle>
-  <p:modifyVerifier cryptProviderType="rsaFull" cryptAlgorithmClass="hash" cryptAlgorithmType="typeAny" cryptAlgorithmSid="4" spinCount="100000" saltData="bZy2v3yQi0fBMW5yuksv9w==" hashData="xnWxucxinSBzWxuQJTzz714o+RU="/>
+  <p:modifyVerifier cryptProviderType="rsaFull" cryptAlgorithmClass="hash" cryptAlgorithmType="typeAny" cryptAlgorithmSid="4" spinCount="100000" saltData="ReYHXSU9YFxnCw3rriauiQ==" hashData="ATdWo6lX+xl87gdoH5ZmDfR3ols="/>
 </p:presentation>
 </file>
 
@@ -1161,8 +1161,8 @@
                   </a:schemeClr>
                 </a:solidFill>
                 <a:uFillTx/>
-                <a:latin typeface="Arial" panose="020B0604020202020204" pitchFamily="34" charset="0"/>
-                <a:ea typeface="黑体" charset="0"/>
+                <a:latin typeface="Consolas" panose="020B0609020204030204" charset="0"/>
+                <a:ea typeface="Heiti SC Light" panose="02000000000000000000" charset="-122"/>
               </a:defRPr>
             </a:lvl1pPr>
             <a:lvl2pPr>
@@ -1174,8 +1174,8 @@
                   </a:schemeClr>
                 </a:solidFill>
                 <a:uFillTx/>
-                <a:latin typeface="Arial" panose="020B0604020202020204" pitchFamily="34" charset="0"/>
-                <a:ea typeface="黑体" charset="0"/>
+                <a:latin typeface="Consolas" panose="020B0609020204030204" charset="0"/>
+                <a:ea typeface="Heiti SC Light" panose="02000000000000000000" charset="-122"/>
               </a:defRPr>
             </a:lvl2pPr>
             <a:lvl3pPr>
@@ -1187,8 +1187,8 @@
                   </a:schemeClr>
                 </a:solidFill>
                 <a:uFillTx/>
-                <a:latin typeface="Arial" panose="020B0604020202020204" pitchFamily="34" charset="0"/>
-                <a:ea typeface="黑体" charset="0"/>
+                <a:latin typeface="Consolas" panose="020B0609020204030204" charset="0"/>
+                <a:ea typeface="Heiti SC Light" panose="02000000000000000000" charset="-122"/>
               </a:defRPr>
             </a:lvl3pPr>
             <a:lvl4pPr>
@@ -1200,8 +1200,8 @@
                   </a:schemeClr>
                 </a:solidFill>
                 <a:uFillTx/>
-                <a:latin typeface="Arial" panose="020B0604020202020204" pitchFamily="34" charset="0"/>
-                <a:ea typeface="黑体" charset="0"/>
+                <a:latin typeface="Consolas" panose="020B0609020204030204" charset="0"/>
+                <a:ea typeface="Heiti SC Light" panose="02000000000000000000" charset="-122"/>
               </a:defRPr>
             </a:lvl4pPr>
             <a:lvl5pPr>
@@ -1213,8 +1213,8 @@
                   </a:schemeClr>
                 </a:solidFill>
                 <a:uFillTx/>
-                <a:latin typeface="Arial" panose="020B0604020202020204" pitchFamily="34" charset="0"/>
-                <a:ea typeface="黑体" charset="0"/>
+                <a:latin typeface="Consolas" panose="020B0609020204030204" charset="0"/>
+                <a:ea typeface="Heiti SC Light" panose="02000000000000000000" charset="-122"/>
               </a:defRPr>
             </a:lvl5pPr>
           </a:lstStyle>
@@ -3724,10 +3724,6 @@
             <a:endParaRPr lang="zh-CN" altLang="en-US"/>
           </a:p>
           <a:p>
-            <a:pPr lvl="1">
-              <a:buFont typeface="Wingdings" panose="05000000000000000000" charset="0"/>
-              <a:buChar char=""/>
-            </a:pPr>
             <a:r>
               <a:rPr lang="zh-CN" altLang="en-US">
                 <a:latin typeface="Arial Regular" panose="020B0604020202020204" charset="0"/>
@@ -3741,10 +3737,6 @@
             </a:endParaRPr>
           </a:p>
           <a:p>
-            <a:pPr lvl="1">
-              <a:buFont typeface="Wingdings" panose="05000000000000000000" charset="0"/>
-              <a:buChar char=""/>
-            </a:pPr>
             <a:r>
               <a:rPr lang="zh-CN" altLang="en-US">
                 <a:latin typeface="Arial Regular" panose="020B0604020202020204" charset="0"/>
@@ -3758,9 +3750,9 @@
             </a:endParaRPr>
           </a:p>
           <a:p>
-            <a:pPr lvl="2">
+            <a:pPr marL="1371600" lvl="2" indent="-457200">
               <a:buFont typeface="Wingdings" panose="05000000000000000000" charset="0"/>
-              <a:buChar char=""/>
+              <a:buAutoNum type="arabicPeriod"/>
             </a:pPr>
             <a:r>
               <a:rPr lang="zh-CN" altLang="en-US" sz="2400">
@@ -3801,9 +3793,9 @@
             </a:endParaRPr>
           </a:p>
           <a:p>
-            <a:pPr lvl="2">
+            <a:pPr marL="1371600" lvl="2" indent="-457200">
               <a:buFont typeface="Wingdings" panose="05000000000000000000" charset="0"/>
-              <a:buChar char=""/>
+              <a:buAutoNum type="arabicPeriod"/>
             </a:pPr>
             <a:r>
               <a:rPr lang="zh-CN" altLang="en-US" sz="2400">
@@ -3852,9 +3844,9 @@
             </a:endParaRPr>
           </a:p>
           <a:p>
-            <a:pPr lvl="2">
+            <a:pPr marL="1371600" lvl="2" indent="-457200">
               <a:buFont typeface="Wingdings" panose="05000000000000000000" charset="0"/>
-              <a:buChar char=""/>
+              <a:buAutoNum type="arabicPeriod"/>
             </a:pPr>
             <a:r>
               <a:rPr lang="zh-CN" altLang="en-US" sz="2400">
@@ -4052,7 +4044,7 @@
         <p:spPr>
           <a:xfrm>
             <a:off x="647700" y="3714750"/>
-            <a:ext cx="4846320" cy="1198880"/>
+            <a:ext cx="4457700" cy="1198880"/>
           </a:xfrm>
           <a:prstGeom prst="rect">
             <a:avLst/>
@@ -4067,56 +4059,56 @@
             <a:pPr algn="l"/>
             <a:r>
               <a:rPr lang="zh-CN" altLang="en-US">
-                <a:latin typeface="Courier New Regular" panose="02070309020205020404" charset="0"/>
-                <a:cs typeface="Courier New Regular" panose="02070309020205020404" charset="0"/>
+                <a:latin typeface="Consolas" panose="020B0609020204030204" charset="0"/>
+                <a:cs typeface="Consolas" panose="020B0609020204030204" charset="0"/>
               </a:rPr>
               <a:t>struct TreeNode {</a:t>
             </a:r>
             <a:endParaRPr lang="zh-CN" altLang="en-US">
-              <a:latin typeface="Courier New Regular" panose="02070309020205020404" charset="0"/>
-              <a:cs typeface="Courier New Regular" panose="02070309020205020404" charset="0"/>
+              <a:latin typeface="Consolas" panose="020B0609020204030204" charset="0"/>
+              <a:cs typeface="Consolas" panose="020B0609020204030204" charset="0"/>
             </a:endParaRPr>
           </a:p>
           <a:p>
             <a:pPr algn="l"/>
             <a:r>
               <a:rPr lang="zh-CN" altLang="en-US">
-                <a:latin typeface="Courier New Regular" panose="02070309020205020404" charset="0"/>
-                <a:cs typeface="Courier New Regular" panose="02070309020205020404" charset="0"/>
+                <a:latin typeface="Consolas" panose="020B0609020204030204" charset="0"/>
+                <a:cs typeface="Consolas" panose="020B0609020204030204" charset="0"/>
               </a:rPr>
               <a:t>    int val;</a:t>
             </a:r>
             <a:endParaRPr lang="zh-CN" altLang="en-US">
-              <a:latin typeface="Courier New Regular" panose="02070309020205020404" charset="0"/>
-              <a:cs typeface="Courier New Regular" panose="02070309020205020404" charset="0"/>
+              <a:latin typeface="Consolas" panose="020B0609020204030204" charset="0"/>
+              <a:cs typeface="Consolas" panose="020B0609020204030204" charset="0"/>
             </a:endParaRPr>
           </a:p>
           <a:p>
             <a:pPr algn="l"/>
             <a:r>
               <a:rPr lang="zh-CN" altLang="en-US">
-                <a:latin typeface="Courier New Regular" panose="02070309020205020404" charset="0"/>
-                <a:cs typeface="Courier New Regular" panose="02070309020205020404" charset="0"/>
+                <a:latin typeface="Consolas" panose="020B0609020204030204" charset="0"/>
+                <a:cs typeface="Consolas" panose="020B0609020204030204" charset="0"/>
               </a:rPr>
               <a:t>    struct TreeNode *left, *right;</a:t>
             </a:r>
             <a:endParaRPr lang="zh-CN" altLang="en-US">
-              <a:latin typeface="Courier New Regular" panose="02070309020205020404" charset="0"/>
-              <a:cs typeface="Courier New Regular" panose="02070309020205020404" charset="0"/>
+              <a:latin typeface="Consolas" panose="020B0609020204030204" charset="0"/>
+              <a:cs typeface="Consolas" panose="020B0609020204030204" charset="0"/>
             </a:endParaRPr>
           </a:p>
           <a:p>
             <a:pPr algn="l"/>
             <a:r>
               <a:rPr lang="zh-CN" altLang="en-US">
-                <a:latin typeface="Courier New Regular" panose="02070309020205020404" charset="0"/>
-                <a:cs typeface="Courier New Regular" panose="02070309020205020404" charset="0"/>
+                <a:latin typeface="Consolas" panose="020B0609020204030204" charset="0"/>
+                <a:cs typeface="Consolas" panose="020B0609020204030204" charset="0"/>
               </a:rPr>
               <a:t>};</a:t>
             </a:r>
             <a:endParaRPr lang="zh-CN" altLang="en-US">
-              <a:latin typeface="Courier New Regular" panose="02070309020205020404" charset="0"/>
-              <a:cs typeface="Courier New Regular" panose="02070309020205020404" charset="0"/>
+              <a:latin typeface="Consolas" panose="020B0609020204030204" charset="0"/>
+              <a:cs typeface="Consolas" panose="020B0609020204030204" charset="0"/>
             </a:endParaRPr>
           </a:p>
         </p:txBody>
@@ -7157,9 +7149,9 @@
             <a:endParaRPr lang="zh-CN" altLang="en-US"/>
           </a:p>
           <a:p>
-            <a:pPr lvl="1">
+            <a:pPr marL="914400" lvl="1" indent="-457200">
               <a:buFont typeface="Wingdings" panose="05000000000000000000" charset="0"/>
-              <a:buChar char=""/>
+              <a:buAutoNum type="arabicPeriod"/>
             </a:pPr>
             <a:r>
               <a:rPr lang="zh-CN" altLang="en-US"/>
@@ -7168,9 +7160,9 @@
             <a:endParaRPr lang="zh-CN" altLang="en-US"/>
           </a:p>
           <a:p>
-            <a:pPr lvl="1">
+            <a:pPr marL="914400" lvl="1" indent="-457200">
               <a:buFont typeface="Wingdings" panose="05000000000000000000" charset="0"/>
-              <a:buChar char=""/>
+              <a:buAutoNum type="arabicPeriod"/>
             </a:pPr>
             <a:r>
               <a:rPr lang="zh-CN" altLang="en-US"/>
@@ -16958,9 +16950,9 @@
             <a:endParaRPr lang="zh-CN" altLang="en-US"/>
           </a:p>
           <a:p>
-            <a:pPr lvl="1">
+            <a:pPr marL="914400" lvl="1" indent="-457200">
               <a:buFont typeface="Wingdings" panose="05000000000000000000" charset="0"/>
-              <a:buChar char=""/>
+              <a:buAutoNum type="arabicPeriod"/>
             </a:pPr>
             <a:r>
               <a:rPr lang="zh-CN" altLang="en-US"/>
@@ -16969,9 +16961,9 @@
             <a:endParaRPr lang="zh-CN" altLang="en-US"/>
           </a:p>
           <a:p>
-            <a:pPr lvl="1">
+            <a:pPr marL="914400" lvl="1" indent="-457200">
               <a:buFont typeface="Wingdings" panose="05000000000000000000" charset="0"/>
-              <a:buChar char=""/>
+              <a:buAutoNum type="arabicPeriod"/>
             </a:pPr>
             <a:r>
               <a:rPr lang="zh-CN" altLang="en-US"/>
@@ -16980,9 +16972,9 @@
             <a:endParaRPr lang="zh-CN" altLang="en-US"/>
           </a:p>
           <a:p>
-            <a:pPr lvl="1">
+            <a:pPr marL="914400" lvl="1" indent="-457200">
               <a:buFont typeface="Wingdings" panose="05000000000000000000" charset="0"/>
-              <a:buChar char=""/>
+              <a:buAutoNum type="arabicPeriod"/>
             </a:pPr>
             <a:r>
               <a:rPr lang="zh-CN" altLang="en-US"/>
@@ -22890,10 +22882,44 @@
           <a:bodyPr/>
           <a:p>
             <a:r>
-              <a:rPr lang="zh-CN" altLang="en-US"/>
+              <a:rPr lang="zh-CN" altLang="en-US">
+                <a:sym typeface="+mn-ea"/>
+              </a:rPr>
               <a:t>求二叉树的高度</a:t>
             </a:r>
             <a:endParaRPr lang="zh-CN" altLang="en-US"/>
+          </a:p>
+        </p:txBody>
+      </p:sp>
+      <p:sp>
+        <p:nvSpPr>
+          <p:cNvPr id="3" name="内容占位符 2"/>
+          <p:cNvSpPr>
+            <a:spLocks noGrp="1"/>
+          </p:cNvSpPr>
+          <p:nvPr>
+            <p:ph idx="1"/>
+          </p:nvPr>
+        </p:nvSpPr>
+        <p:spPr/>
+        <p:txBody>
+          <a:bodyPr/>
+          <a:p>
+            <a:r>
+              <a:rPr lang="zh-CN" altLang="en-US">
+                <a:cs typeface="Consolas" panose="020B0609020204030204" charset="0"/>
+                <a:sym typeface="+mn-ea"/>
+              </a:rPr>
+              <a:t>结合tree.c进行讲解</a:t>
+            </a:r>
+            <a:endParaRPr lang="zh-CN" altLang="en-US">
+              <a:cs typeface="Consolas" panose="020B0609020204030204" charset="0"/>
+            </a:endParaRPr>
+          </a:p>
+          <a:p>
+            <a:endParaRPr lang="zh-CN" altLang="en-US">
+              <a:cs typeface="Consolas" panose="020B0609020204030204" charset="0"/>
+            </a:endParaRPr>
           </a:p>
         </p:txBody>
       </p:sp>
@@ -22905,7 +22931,7 @@
         </p:nvGrpSpPr>
         <p:grpSpPr bwMode="auto">
           <a:xfrm>
-            <a:off x="3095922" y="2205658"/>
+            <a:off x="2942887" y="3495978"/>
             <a:ext cx="6632803" cy="1565312"/>
             <a:chOff x="5434" y="6225"/>
             <a:chExt cx="5006" cy="1485"/>
@@ -23545,45 +23571,6 @@
           </p:txBody>
         </p:sp>
       </p:grpSp>
-      <p:sp>
-        <p:nvSpPr>
-          <p:cNvPr id="4" name="文本框 3"/>
-          <p:cNvSpPr txBox="1"/>
-          <p:nvPr/>
-        </p:nvSpPr>
-        <p:spPr>
-          <a:xfrm>
-            <a:off x="647700" y="1683385"/>
-            <a:ext cx="3205480" cy="521970"/>
-          </a:xfrm>
-          <a:prstGeom prst="rect">
-            <a:avLst/>
-          </a:prstGeom>
-          <a:noFill/>
-        </p:spPr>
-        <p:txBody>
-          <a:bodyPr wrap="none" rtlCol="0">
-            <a:spAutoFit/>
-          </a:bodyPr>
-          <a:p>
-            <a:r>
-              <a:rPr lang="zh-CN" altLang="en-US" sz="2800">
-                <a:solidFill>
-                  <a:schemeClr val="tx1">
-                    <a:lumMod val="75000"/>
-                    <a:lumOff val="25000"/>
-                  </a:schemeClr>
-                </a:solidFill>
-                <a:uFillTx/>
-                <a:latin typeface="Arial" panose="020B0604020202020204" pitchFamily="34" charset="0"/>
-                <a:ea typeface="黑体" charset="0"/>
-              </a:rPr>
-              <a:t>结合tree.c进行讲解</a:t>
-            </a:r>
-            <a:endParaRPr lang="zh-CN" altLang="en-US"/>
-          </a:p>
-        </p:txBody>
-      </p:sp>
     </p:spTree>
   </p:cSld>
   <p:clrMapOvr>
@@ -28390,7 +28377,7 @@
         <p:spPr>
           <a:xfrm>
             <a:off x="647700" y="5385435"/>
-            <a:ext cx="5442585" cy="1198880"/>
+            <a:ext cx="5593080" cy="1198880"/>
           </a:xfrm>
           <a:prstGeom prst="rect">
             <a:avLst/>
@@ -28405,48 +28392,48 @@
             <a:pPr algn="l"/>
             <a:r>
               <a:rPr lang="zh-CN" altLang="en-US" sz="2400">
-                <a:latin typeface="黑体" charset="0"/>
-                <a:ea typeface="黑体" charset="0"/>
-                <a:cs typeface="黑体" charset="0"/>
+                <a:latin typeface="Consolas" panose="020B0609020204030204" charset="0"/>
+                <a:ea typeface="Heiti SC Light" panose="02000000000000000000" charset="-122"/>
+                <a:cs typeface="Consolas" panose="020B0609020204030204" charset="0"/>
               </a:rPr>
               <a:t>从前序与中序遍历序列构造二叉树.html</a:t>
             </a:r>
             <a:endParaRPr lang="zh-CN" altLang="en-US" sz="2400">
-              <a:latin typeface="黑体" charset="0"/>
-              <a:ea typeface="黑体" charset="0"/>
-              <a:cs typeface="黑体" charset="0"/>
+              <a:latin typeface="Consolas" panose="020B0609020204030204" charset="0"/>
+              <a:ea typeface="Heiti SC Light" panose="02000000000000000000" charset="-122"/>
+              <a:cs typeface="Consolas" panose="020B0609020204030204" charset="0"/>
             </a:endParaRPr>
           </a:p>
           <a:p>
             <a:pPr algn="l"/>
             <a:r>
               <a:rPr lang="zh-CN" altLang="en-US" sz="2400">
-                <a:latin typeface="黑体" charset="0"/>
-                <a:ea typeface="黑体" charset="0"/>
-                <a:cs typeface="黑体" charset="0"/>
+                <a:latin typeface="Consolas" panose="020B0609020204030204" charset="0"/>
+                <a:ea typeface="Heiti SC Light" panose="02000000000000000000" charset="-122"/>
+                <a:cs typeface="Consolas" panose="020B0609020204030204" charset="0"/>
               </a:rPr>
               <a:t>二叉树的镜像.html</a:t>
             </a:r>
             <a:endParaRPr lang="zh-CN" altLang="en-US" sz="2400">
-              <a:latin typeface="黑体" charset="0"/>
-              <a:ea typeface="黑体" charset="0"/>
-              <a:cs typeface="黑体" charset="0"/>
+              <a:latin typeface="Consolas" panose="020B0609020204030204" charset="0"/>
+              <a:ea typeface="Heiti SC Light" panose="02000000000000000000" charset="-122"/>
+              <a:cs typeface="Consolas" panose="020B0609020204030204" charset="0"/>
             </a:endParaRPr>
           </a:p>
           <a:p>
             <a:pPr algn="l"/>
             <a:r>
               <a:rPr lang="zh-CN" altLang="en-US" sz="2400">
-                <a:latin typeface="黑体" charset="0"/>
-                <a:ea typeface="黑体" charset="0"/>
-                <a:cs typeface="黑体" charset="0"/>
+                <a:latin typeface="Consolas" panose="020B0609020204030204" charset="0"/>
+                <a:ea typeface="Heiti SC Light" panose="02000000000000000000" charset="-122"/>
+                <a:cs typeface="Consolas" panose="020B0609020204030204" charset="0"/>
               </a:rPr>
               <a:t>对称二叉树.html</a:t>
             </a:r>
             <a:endParaRPr lang="zh-CN" altLang="en-US" sz="2400">
-              <a:latin typeface="黑体" charset="0"/>
-              <a:ea typeface="黑体" charset="0"/>
-              <a:cs typeface="黑体" charset="0"/>
+              <a:latin typeface="Consolas" panose="020B0609020204030204" charset="0"/>
+              <a:ea typeface="Heiti SC Light" panose="02000000000000000000" charset="-122"/>
+              <a:cs typeface="Consolas" panose="020B0609020204030204" charset="0"/>
             </a:endParaRPr>
           </a:p>
         </p:txBody>
@@ -39711,7 +39698,14 @@
           <a:p>
             <a:r>
               <a:rPr lang="zh-CN" altLang="en-US"/>
-              <a:t>一棵二叉树T是一个有穷的结点集合。这个集合可以为空，若不为空，则它是由根结点和称为其左子树</a:t>
+              <a:t>一棵二叉树T是一个有穷的结点集合</a:t>
+            </a:r>
+            <a:endParaRPr lang="zh-CN" altLang="en-US"/>
+          </a:p>
+          <a:p>
+            <a:r>
+              <a:rPr lang="zh-CN" altLang="en-US"/>
+              <a:t>这个集合可以为空，若不为空，则它是由根结点和称为其左子树</a:t>
             </a:r>
             <a:r>
               <a:rPr lang="en-US" altLang="zh-CN"/>
@@ -39751,7 +39745,14 @@
             </a:r>
             <a:r>
               <a:rPr lang="zh-CN" altLang="en-US"/>
-              <a:t>的两个不相交的二叉树组成。可见左子树和右子树还是二叉树</a:t>
+              <a:t>的两个不相交的二叉树组成</a:t>
+            </a:r>
+            <a:endParaRPr lang="zh-CN" altLang="en-US"/>
+          </a:p>
+          <a:p>
+            <a:r>
+              <a:rPr lang="zh-CN" altLang="en-US"/>
+              <a:t>可见左子树和右子树还是二叉树</a:t>
             </a:r>
             <a:endParaRPr lang="zh-CN" altLang="en-US"/>
           </a:p>
@@ -42315,7 +42316,7 @@
         </p:nvSpPr>
         <p:spPr>
           <a:xfrm>
-            <a:off x="4978400" y="4749165"/>
+            <a:off x="5117465" y="5272405"/>
             <a:ext cx="4248150" cy="521970"/>
           </a:xfrm>
           <a:prstGeom prst="rect">
@@ -42401,8 +42402,8 @@
         </p:blipFill>
         <p:spPr>
           <a:xfrm>
-            <a:off x="6232525" y="3839210"/>
-            <a:ext cx="991518" cy="324000"/>
+            <a:off x="6284595" y="4163695"/>
+            <a:ext cx="1258062" cy="411099"/>
           </a:xfrm>
           <a:prstGeom prst="rect">
             <a:avLst/>
@@ -42440,16 +42441,16 @@
           <p:nvPr/>
         </p:nvCxnSpPr>
         <p:spPr>
-          <a:xfrm flipH="1" flipV="1">
-            <a:off x="7494270" y="4069080"/>
-            <a:ext cx="1771650" cy="338455"/>
+          <a:xfrm flipH="1">
+            <a:off x="7708265" y="4407535"/>
+            <a:ext cx="1557655" cy="0"/>
           </a:xfrm>
           <a:prstGeom prst="straightConnector1">
             <a:avLst/>
           </a:prstGeom>
-          <a:ln w="41275" cmpd="sng">
+          <a:ln w="101600" cmpd="sng">
             <a:solidFill>
-              <a:srgbClr val="202020"/>
+              <a:srgbClr val="990000"/>
             </a:solidFill>
             <a:prstDash val="solid"/>
             <a:tailEnd type="arrow"/>
